--- a/2. NET-Standard/dotnet-workshop-netstandard.pptx
+++ b/2. NET-Standard/dotnet-workshop-netstandard.pptx
@@ -8769,7 +8769,7 @@
           <a:p>
             <a:fld id="{148BFE7F-F400-4DD9-B236-B1C0D7AE84D3}" type="datetimeFigureOut">
               <a:rPr lang="en-US" smtClean="0"/>
-              <a:t>11/30/2021</a:t>
+              <a:t>4/6/2022</a:t>
             </a:fld>
             <a:endParaRPr lang="en-US"/>
           </a:p>
@@ -9832,7 +9832,7 @@
                 <a:tabLst/>
                 <a:defRPr/>
               </a:pPr>
-              <a:t>11/30/2021 11:04 AM</a:t>
+              <a:t>4/6/2022 12:17 PM</a:t>
             </a:fld>
             <a:endParaRPr kumimoji="0" lang="en-US" sz="1200" b="0" i="0" u="none" strike="noStrike" kern="1200" cap="none" spc="0" normalizeH="0" baseline="0" noProof="0" dirty="0">
               <a:ln>
@@ -10085,7 +10085,7 @@
           <a:p>
             <a:fld id="{38EEC551-8CDA-4EB6-89BB-2A86C9F091C8}" type="datetime8">
               <a:rPr lang="en-US" smtClean="0"/>
-              <a:t>11/30/2021 11:04 AM</a:t>
+              <a:t>4/6/2022 12:17 PM</a:t>
             </a:fld>
             <a:endParaRPr lang="en-US" dirty="0"/>
           </a:p>
@@ -10266,7 +10266,7 @@
           <a:p>
             <a:fld id="{38EEC551-8CDA-4EB6-89BB-2A86C9F091C8}" type="datetime8">
               <a:rPr lang="en-US" smtClean="0"/>
-              <a:t>11/30/2021 11:04 AM</a:t>
+              <a:t>4/6/2022 12:17 PM</a:t>
             </a:fld>
             <a:endParaRPr lang="en-US" dirty="0"/>
           </a:p>
@@ -10447,7 +10447,7 @@
           <a:p>
             <a:fld id="{38EEC551-8CDA-4EB6-89BB-2A86C9F091C8}" type="datetime8">
               <a:rPr lang="en-US" smtClean="0"/>
-              <a:t>11/30/2021 11:04 AM</a:t>
+              <a:t>4/6/2022 12:17 PM</a:t>
             </a:fld>
             <a:endParaRPr lang="en-US" dirty="0"/>
           </a:p>
@@ -10628,7 +10628,7 @@
           <a:p>
             <a:fld id="{38EEC551-8CDA-4EB6-89BB-2A86C9F091C8}" type="datetime8">
               <a:rPr lang="en-US" smtClean="0"/>
-              <a:t>11/30/2021 11:04 AM</a:t>
+              <a:t>4/6/2022 12:17 PM</a:t>
             </a:fld>
             <a:endParaRPr lang="en-US" dirty="0"/>
           </a:p>
@@ -10809,7 +10809,7 @@
           <a:p>
             <a:fld id="{38EEC551-8CDA-4EB6-89BB-2A86C9F091C8}" type="datetime8">
               <a:rPr lang="en-US" smtClean="0"/>
-              <a:t>11/30/2021 11:04 AM</a:t>
+              <a:t>4/6/2022 12:17 PM</a:t>
             </a:fld>
             <a:endParaRPr lang="en-US" dirty="0"/>
           </a:p>
@@ -10990,7 +10990,7 @@
           <a:p>
             <a:fld id="{38EEC551-8CDA-4EB6-89BB-2A86C9F091C8}" type="datetime8">
               <a:rPr lang="en-US" smtClean="0"/>
-              <a:t>11/30/2021 11:04 AM</a:t>
+              <a:t>4/6/2022 12:17 PM</a:t>
             </a:fld>
             <a:endParaRPr lang="en-US" dirty="0"/>
           </a:p>
@@ -11332,7 +11332,7 @@
           <a:p>
             <a:fld id="{38EEC551-8CDA-4EB6-89BB-2A86C9F091C8}" type="datetime8">
               <a:rPr lang="en-US" smtClean="0"/>
-              <a:t>11/30/2021 11:04 AM</a:t>
+              <a:t>4/6/2022 12:17 PM</a:t>
             </a:fld>
             <a:endParaRPr lang="en-US" dirty="0"/>
           </a:p>
@@ -11513,7 +11513,7 @@
           <a:p>
             <a:fld id="{38EEC551-8CDA-4EB6-89BB-2A86C9F091C8}" type="datetime8">
               <a:rPr lang="en-US" smtClean="0"/>
-              <a:t>11/30/2021 11:04 AM</a:t>
+              <a:t>4/6/2022 12:17 PM</a:t>
             </a:fld>
             <a:endParaRPr lang="en-US" dirty="0"/>
           </a:p>
@@ -11694,7 +11694,7 @@
           <a:p>
             <a:fld id="{38EEC551-8CDA-4EB6-89BB-2A86C9F091C8}" type="datetime8">
               <a:rPr lang="en-US" smtClean="0"/>
-              <a:t>11/30/2021 11:04 AM</a:t>
+              <a:t>4/6/2022 12:17 PM</a:t>
             </a:fld>
             <a:endParaRPr lang="en-US" dirty="0"/>
           </a:p>
@@ -11875,7 +11875,7 @@
           <a:p>
             <a:fld id="{38EEC551-8CDA-4EB6-89BB-2A86C9F091C8}" type="datetime8">
               <a:rPr lang="en-US" smtClean="0"/>
-              <a:t>11/30/2021 11:04 AM</a:t>
+              <a:t>4/6/2022 12:17 PM</a:t>
             </a:fld>
             <a:endParaRPr lang="en-US" dirty="0"/>
           </a:p>
@@ -12056,7 +12056,7 @@
           <a:p>
             <a:fld id="{38EEC551-8CDA-4EB6-89BB-2A86C9F091C8}" type="datetime8">
               <a:rPr lang="en-US" smtClean="0"/>
-              <a:t>11/30/2021 11:04 AM</a:t>
+              <a:t>4/6/2022 12:17 PM</a:t>
             </a:fld>
             <a:endParaRPr lang="en-US" dirty="0"/>
           </a:p>
@@ -12237,7 +12237,7 @@
           <a:p>
             <a:fld id="{38EEC551-8CDA-4EB6-89BB-2A86C9F091C8}" type="datetime8">
               <a:rPr lang="en-US" smtClean="0"/>
-              <a:t>11/30/2021 11:04 AM</a:t>
+              <a:t>4/6/2022 12:17 PM</a:t>
             </a:fld>
             <a:endParaRPr lang="en-US" dirty="0"/>
           </a:p>
@@ -13522,7 +13522,7 @@
           <a:p>
             <a:fld id="{AFAAA849-1D6E-40B2-B057-39C83678EF33}" type="datetimeFigureOut">
               <a:rPr lang="en-US" smtClean="0"/>
-              <a:t>11/30/2021</a:t>
+              <a:t>4/6/2022</a:t>
             </a:fld>
             <a:endParaRPr lang="en-US"/>
           </a:p>
@@ -13720,7 +13720,7 @@
           <a:p>
             <a:fld id="{AFAAA849-1D6E-40B2-B057-39C83678EF33}" type="datetimeFigureOut">
               <a:rPr lang="en-US" smtClean="0"/>
-              <a:t>11/30/2021</a:t>
+              <a:t>4/6/2022</a:t>
             </a:fld>
             <a:endParaRPr lang="en-US"/>
           </a:p>
@@ -13928,7 +13928,7 @@
           <a:p>
             <a:fld id="{AFAAA849-1D6E-40B2-B057-39C83678EF33}" type="datetimeFigureOut">
               <a:rPr lang="en-US" smtClean="0"/>
-              <a:t>11/30/2021</a:t>
+              <a:t>4/6/2022</a:t>
             </a:fld>
             <a:endParaRPr lang="en-US"/>
           </a:p>
@@ -15187,7 +15187,7 @@
           <a:p>
             <a:fld id="{0A627400-D089-7447-864B-77479EBD4214}" type="datetimeFigureOut">
               <a:rPr lang="en-US" smtClean="0"/>
-              <a:t>11/30/2021</a:t>
+              <a:t>4/6/2022</a:t>
             </a:fld>
             <a:endParaRPr lang="en-US"/>
           </a:p>
@@ -15385,7 +15385,7 @@
           <a:p>
             <a:fld id="{0A627400-D089-7447-864B-77479EBD4214}" type="datetimeFigureOut">
               <a:rPr lang="en-US" smtClean="0"/>
-              <a:t>11/30/2021</a:t>
+              <a:t>4/6/2022</a:t>
             </a:fld>
             <a:endParaRPr lang="en-US"/>
           </a:p>
@@ -15583,7 +15583,7 @@
           <a:p>
             <a:fld id="{AFAAA849-1D6E-40B2-B057-39C83678EF33}" type="datetimeFigureOut">
               <a:rPr lang="en-US" smtClean="0"/>
-              <a:t>11/30/2021</a:t>
+              <a:t>4/6/2022</a:t>
             </a:fld>
             <a:endParaRPr lang="en-US"/>
           </a:p>
@@ -15858,7 +15858,7 @@
           <a:p>
             <a:fld id="{0A627400-D089-7447-864B-77479EBD4214}" type="datetimeFigureOut">
               <a:rPr lang="en-US" smtClean="0"/>
-              <a:t>11/30/2021</a:t>
+              <a:t>4/6/2022</a:t>
             </a:fld>
             <a:endParaRPr lang="en-US"/>
           </a:p>
@@ -16126,7 +16126,7 @@
           <a:p>
             <a:fld id="{0A627400-D089-7447-864B-77479EBD4214}" type="datetimeFigureOut">
               <a:rPr lang="en-US" smtClean="0"/>
-              <a:t>11/30/2021</a:t>
+              <a:t>4/6/2022</a:t>
             </a:fld>
             <a:endParaRPr lang="en-US"/>
           </a:p>
@@ -16538,7 +16538,7 @@
           <a:p>
             <a:fld id="{0A627400-D089-7447-864B-77479EBD4214}" type="datetimeFigureOut">
               <a:rPr lang="en-US" smtClean="0"/>
-              <a:t>11/30/2021</a:t>
+              <a:t>4/6/2022</a:t>
             </a:fld>
             <a:endParaRPr lang="en-US"/>
           </a:p>
@@ -16744,7 +16744,7 @@
           <a:p>
             <a:fld id="{0A627400-D089-7447-864B-77479EBD4214}" type="datetimeFigureOut">
               <a:rPr lang="en-US" smtClean="0"/>
-              <a:t>11/30/2021</a:t>
+              <a:t>4/6/2022</a:t>
             </a:fld>
             <a:endParaRPr lang="en-US"/>
           </a:p>
@@ -16858,7 +16858,7 @@
             <a:fld id="{0A627400-D089-7447-864B-77479EBD4214}" type="datetimeFigureOut">
               <a:rPr lang="en-US" smtClean="0"/>
               <a:pPr/>
-              <a:t>11/30/2021</a:t>
+              <a:t>4/6/2022</a:t>
             </a:fld>
             <a:endParaRPr lang="en-US"/>
           </a:p>
@@ -17023,7 +17023,7 @@
             <a:fld id="{0A627400-D089-7447-864B-77479EBD4214}" type="datetimeFigureOut">
               <a:rPr lang="en-US" smtClean="0"/>
               <a:pPr/>
-              <a:t>11/30/2021</a:t>
+              <a:t>4/6/2022</a:t>
             </a:fld>
             <a:endParaRPr lang="en-US"/>
           </a:p>
@@ -17187,7 +17187,7 @@
           <a:p>
             <a:fld id="{0A627400-D089-7447-864B-77479EBD4214}" type="datetimeFigureOut">
               <a:rPr lang="en-US" smtClean="0"/>
-              <a:t>11/30/2021</a:t>
+              <a:t>4/6/2022</a:t>
             </a:fld>
             <a:endParaRPr lang="en-US"/>
           </a:p>
@@ -17758,7 +17758,7 @@
           <a:p>
             <a:fld id="{0A627400-D089-7447-864B-77479EBD4214}" type="datetimeFigureOut">
               <a:rPr lang="en-US" smtClean="0"/>
-              <a:t>11/30/2021</a:t>
+              <a:t>4/6/2022</a:t>
             </a:fld>
             <a:endParaRPr lang="en-US"/>
           </a:p>
@@ -18069,7 +18069,7 @@
           <a:p>
             <a:fld id="{0A627400-D089-7447-864B-77479EBD4214}" type="datetimeFigureOut">
               <a:rPr lang="en-US" smtClean="0"/>
-              <a:t>11/30/2021</a:t>
+              <a:t>4/6/2022</a:t>
             </a:fld>
             <a:endParaRPr lang="en-US"/>
           </a:p>
@@ -18344,7 +18344,7 @@
           <a:p>
             <a:fld id="{AFAAA849-1D6E-40B2-B057-39C83678EF33}" type="datetimeFigureOut">
               <a:rPr lang="en-US" smtClean="0"/>
-              <a:t>11/30/2021</a:t>
+              <a:t>4/6/2022</a:t>
             </a:fld>
             <a:endParaRPr lang="en-US"/>
           </a:p>
@@ -18632,7 +18632,7 @@
           <a:p>
             <a:fld id="{0A627400-D089-7447-864B-77479EBD4214}" type="datetimeFigureOut">
               <a:rPr lang="en-US" smtClean="0"/>
-              <a:t>11/30/2021</a:t>
+              <a:t>4/6/2022</a:t>
             </a:fld>
             <a:endParaRPr lang="en-US"/>
           </a:p>
@@ -19813,7 +19813,7 @@
           <a:p>
             <a:fld id="{0A627400-D089-7447-864B-77479EBD4214}" type="datetimeFigureOut">
               <a:rPr lang="en-US" smtClean="0"/>
-              <a:t>11/30/2021</a:t>
+              <a:t>4/6/2022</a:t>
             </a:fld>
             <a:endParaRPr lang="en-US"/>
           </a:p>
@@ -20011,7 +20011,7 @@
           <a:p>
             <a:fld id="{0A627400-D089-7447-864B-77479EBD4214}" type="datetimeFigureOut">
               <a:rPr lang="en-US" smtClean="0"/>
-              <a:t>11/30/2021</a:t>
+              <a:t>4/6/2022</a:t>
             </a:fld>
             <a:endParaRPr lang="en-US"/>
           </a:p>
@@ -20286,7 +20286,7 @@
           <a:p>
             <a:fld id="{0A627400-D089-7447-864B-77479EBD4214}" type="datetimeFigureOut">
               <a:rPr lang="en-US" smtClean="0"/>
-              <a:t>11/30/2021</a:t>
+              <a:t>4/6/2022</a:t>
             </a:fld>
             <a:endParaRPr lang="en-US"/>
           </a:p>
@@ -20551,7 +20551,7 @@
           <a:p>
             <a:fld id="{0A627400-D089-7447-864B-77479EBD4214}" type="datetimeFigureOut">
               <a:rPr lang="en-US" smtClean="0"/>
-              <a:t>11/30/2021</a:t>
+              <a:t>4/6/2022</a:t>
             </a:fld>
             <a:endParaRPr lang="en-US"/>
           </a:p>
@@ -20963,7 +20963,7 @@
           <a:p>
             <a:fld id="{0A627400-D089-7447-864B-77479EBD4214}" type="datetimeFigureOut">
               <a:rPr lang="en-US" smtClean="0"/>
-              <a:t>11/30/2021</a:t>
+              <a:t>4/6/2022</a:t>
             </a:fld>
             <a:endParaRPr lang="en-US"/>
           </a:p>
@@ -21169,7 +21169,7 @@
           <a:p>
             <a:fld id="{0A627400-D089-7447-864B-77479EBD4214}" type="datetimeFigureOut">
               <a:rPr lang="en-US" smtClean="0"/>
-              <a:t>11/30/2021</a:t>
+              <a:t>4/6/2022</a:t>
             </a:fld>
             <a:endParaRPr lang="en-US"/>
           </a:p>
@@ -21283,7 +21283,7 @@
             <a:fld id="{0A627400-D089-7447-864B-77479EBD4214}" type="datetimeFigureOut">
               <a:rPr lang="en-US" smtClean="0"/>
               <a:pPr/>
-              <a:t>11/30/2021</a:t>
+              <a:t>4/6/2022</a:t>
             </a:fld>
             <a:endParaRPr lang="en-US"/>
           </a:p>
@@ -21448,7 +21448,7 @@
             <a:fld id="{0A627400-D089-7447-864B-77479EBD4214}" type="datetimeFigureOut">
               <a:rPr lang="en-US" smtClean="0"/>
               <a:pPr/>
-              <a:t>11/30/2021</a:t>
+              <a:t>4/6/2022</a:t>
             </a:fld>
             <a:endParaRPr lang="en-US"/>
           </a:p>
@@ -21736,7 +21736,7 @@
           <a:p>
             <a:fld id="{AFAAA849-1D6E-40B2-B057-39C83678EF33}" type="datetimeFigureOut">
               <a:rPr lang="en-US" smtClean="0"/>
-              <a:t>11/30/2021</a:t>
+              <a:t>4/6/2022</a:t>
             </a:fld>
             <a:endParaRPr lang="en-US"/>
           </a:p>
@@ -21877,7 +21877,7 @@
           <a:p>
             <a:fld id="{0A627400-D089-7447-864B-77479EBD4214}" type="datetimeFigureOut">
               <a:rPr lang="en-US" smtClean="0"/>
-              <a:t>11/30/2021</a:t>
+              <a:t>4/6/2022</a:t>
             </a:fld>
             <a:endParaRPr lang="en-US"/>
           </a:p>
@@ -21990,7 +21990,7 @@
           <a:p>
             <a:fld id="{0A627400-D089-7447-864B-77479EBD4214}" type="datetimeFigureOut">
               <a:rPr lang="en-US" smtClean="0"/>
-              <a:t>11/30/2021</a:t>
+              <a:t>4/6/2022</a:t>
             </a:fld>
             <a:endParaRPr lang="en-US"/>
           </a:p>
@@ -22301,7 +22301,7 @@
           <a:p>
             <a:fld id="{0A627400-D089-7447-864B-77479EBD4214}" type="datetimeFigureOut">
               <a:rPr lang="en-US" smtClean="0"/>
-              <a:t>11/30/2021</a:t>
+              <a:t>4/6/2022</a:t>
             </a:fld>
             <a:endParaRPr lang="en-US"/>
           </a:p>
@@ -22589,7 +22589,7 @@
           <a:p>
             <a:fld id="{0A627400-D089-7447-864B-77479EBD4214}" type="datetimeFigureOut">
               <a:rPr lang="en-US" smtClean="0"/>
-              <a:t>11/30/2021</a:t>
+              <a:t>4/6/2022</a:t>
             </a:fld>
             <a:endParaRPr lang="en-US"/>
           </a:p>
@@ -24506,7 +24506,7 @@
           <a:p>
             <a:fld id="{AFAAA849-1D6E-40B2-B057-39C83678EF33}" type="datetimeFigureOut">
               <a:rPr lang="en-US" smtClean="0"/>
-              <a:t>11/30/2021</a:t>
+              <a:t>4/6/2022</a:t>
             </a:fld>
             <a:endParaRPr lang="en-US"/>
           </a:p>
@@ -25538,7 +25538,7 @@
           <a:p>
             <a:fld id="{AFAAA849-1D6E-40B2-B057-39C83678EF33}" type="datetimeFigureOut">
               <a:rPr lang="en-US" smtClean="0"/>
-              <a:t>11/30/2021</a:t>
+              <a:t>4/6/2022</a:t>
             </a:fld>
             <a:endParaRPr lang="en-US"/>
           </a:p>
@@ -25651,7 +25651,7 @@
           <a:p>
             <a:fld id="{AFAAA849-1D6E-40B2-B057-39C83678EF33}" type="datetimeFigureOut">
               <a:rPr lang="en-US" smtClean="0"/>
-              <a:t>11/30/2021</a:t>
+              <a:t>4/6/2022</a:t>
             </a:fld>
             <a:endParaRPr lang="en-US"/>
           </a:p>
@@ -25962,7 +25962,7 @@
           <a:p>
             <a:fld id="{AFAAA849-1D6E-40B2-B057-39C83678EF33}" type="datetimeFigureOut">
               <a:rPr lang="en-US" smtClean="0"/>
-              <a:t>11/30/2021</a:t>
+              <a:t>4/6/2022</a:t>
             </a:fld>
             <a:endParaRPr lang="en-US"/>
           </a:p>
@@ -26250,7 +26250,7 @@
           <a:p>
             <a:fld id="{AFAAA849-1D6E-40B2-B057-39C83678EF33}" type="datetimeFigureOut">
               <a:rPr lang="en-US" smtClean="0"/>
-              <a:t>11/30/2021</a:t>
+              <a:t>4/6/2022</a:t>
             </a:fld>
             <a:endParaRPr lang="en-US"/>
           </a:p>
@@ -26491,7 +26491,7 @@
           <a:p>
             <a:fld id="{AFAAA849-1D6E-40B2-B057-39C83678EF33}" type="datetimeFigureOut">
               <a:rPr lang="en-US" smtClean="0"/>
-              <a:t>11/30/2021</a:t>
+              <a:t>4/6/2022</a:t>
             </a:fld>
             <a:endParaRPr lang="en-US"/>
           </a:p>
@@ -27716,7 +27716,7 @@
             <a:fld id="{0A627400-D089-7447-864B-77479EBD4214}" type="datetimeFigureOut">
               <a:rPr lang="en-US" smtClean="0"/>
               <a:pPr/>
-              <a:t>11/30/2021</a:t>
+              <a:t>4/6/2022</a:t>
             </a:fld>
             <a:endParaRPr lang="en-US"/>
           </a:p>
@@ -28295,7 +28295,7 @@
             <a:fld id="{0A627400-D089-7447-864B-77479EBD4214}" type="datetimeFigureOut">
               <a:rPr lang="en-US" smtClean="0"/>
               <a:pPr/>
-              <a:t>11/30/2021</a:t>
+              <a:t>4/6/2022</a:t>
             </a:fld>
             <a:endParaRPr lang="en-US"/>
           </a:p>
@@ -28855,7 +28855,7 @@
           <a:p>
             <a:r>
               <a:rPr lang="en-US" dirty="0"/>
-              <a:t>Speaker Name</a:t>
+              <a:t>Isaac Levin</a:t>
             </a:r>
           </a:p>
         </p:txBody>
